--- a/BasicCalculator.pptx
+++ b/BasicCalculator.pptx
@@ -15,8 +15,8 @@
     <p:sldId id="307" r:id="rId6"/>
     <p:sldId id="312" r:id="rId7"/>
     <p:sldId id="339" r:id="rId8"/>
-    <p:sldId id="336" r:id="rId9"/>
-    <p:sldId id="321" r:id="rId10"/>
+    <p:sldId id="340" r:id="rId9"/>
+    <p:sldId id="336" r:id="rId10"/>
   </p:sldIdLst>
   <p:sldSz cx="12192000" cy="6858000"/>
   <p:notesSz cx="6858000" cy="9144000"/>
@@ -220,7 +220,7 @@
           <a:p>
             <a:fld id="{166AA30A-158D-435B-B1F3-6FF82BD60FDF}" type="datetimeFigureOut">
               <a:rPr lang="en-US" smtClean="0"/>
-              <a:t>12/7/2025</a:t>
+              <a:t>12/8/2025</a:t>
             </a:fld>
             <a:endParaRPr lang="en-US" dirty="0"/>
           </a:p>
@@ -397,7 +397,7 @@
           <a:p>
             <a:fld id="{E36A0313-F537-4ED0-973B-4729E10A826A}" type="datetimeFigureOut">
               <a:rPr lang="en-US" smtClean="0"/>
-              <a:t>12/7/2025</a:t>
+              <a:t>12/8/2025</a:t>
             </a:fld>
             <a:endParaRPr lang="en-US" dirty="0"/>
           </a:p>
@@ -893,7 +893,7 @@
             </a:r>
             <a:r>
               <a:rPr lang="en-US" dirty="0" err="1"/>
-              <a:t>CaculatorLogic</a:t>
+              <a:t>CalculatorLogic</a:t>
             </a:r>
             <a:r>
               <a:rPr lang="en-US" dirty="0"/>
@@ -998,6 +998,99 @@
           <a:bodyPr/>
           <a:lstStyle/>
           <a:p>
+            <a:r>
+              <a:rPr lang="en-US" sz="1200" b="1" i="0" kern="1200" dirty="0" err="1">
+                <a:solidFill>
+                  <a:schemeClr val="tx1"/>
+                </a:solidFill>
+                <a:effectLst/>
+                <a:latin typeface="+mn-lt"/>
+                <a:ea typeface="+mn-ea"/>
+                <a:cs typeface="+mn-cs"/>
+              </a:rPr>
+              <a:t>CalculatorLogic</a:t>
+            </a:r>
+            <a:endParaRPr lang="en-US" sz="1200" b="1" i="0" kern="1200" dirty="0">
+              <a:solidFill>
+                <a:schemeClr val="tx1"/>
+              </a:solidFill>
+              <a:effectLst/>
+              <a:latin typeface="+mn-lt"/>
+              <a:ea typeface="+mn-ea"/>
+              <a:cs typeface="+mn-cs"/>
+            </a:endParaRPr>
+          </a:p>
+          <a:p>
+            <a:r>
+              <a:rPr lang="en-US" sz="1200" b="0" i="0" kern="1200" dirty="0">
+                <a:solidFill>
+                  <a:schemeClr val="tx1"/>
+                </a:solidFill>
+                <a:effectLst/>
+                <a:latin typeface="+mn-lt"/>
+                <a:ea typeface="+mn-ea"/>
+                <a:cs typeface="+mn-cs"/>
+              </a:rPr>
+              <a:t>Handles the internal functionality of the calculator:</a:t>
+            </a:r>
+          </a:p>
+          <a:p>
+            <a:r>
+              <a:rPr lang="en-US" sz="1200" b="0" i="0" kern="1200" dirty="0">
+                <a:solidFill>
+                  <a:schemeClr val="tx1"/>
+                </a:solidFill>
+                <a:effectLst/>
+                <a:latin typeface="+mn-lt"/>
+                <a:ea typeface="+mn-ea"/>
+                <a:cs typeface="+mn-cs"/>
+              </a:rPr>
+              <a:t>Stores and updates the math expression</a:t>
+            </a:r>
+          </a:p>
+          <a:p>
+            <a:r>
+              <a:rPr lang="en-US" sz="1200" b="0" i="0" kern="1200" dirty="0">
+                <a:solidFill>
+                  <a:schemeClr val="tx1"/>
+                </a:solidFill>
+                <a:effectLst/>
+                <a:latin typeface="+mn-lt"/>
+                <a:ea typeface="+mn-ea"/>
+                <a:cs typeface="+mn-cs"/>
+              </a:rPr>
+              <a:t>Ensures only valid characters are accepted</a:t>
+            </a:r>
+          </a:p>
+          <a:p>
+            <a:r>
+              <a:rPr lang="en-US" sz="1200" b="0" i="0" kern="1200" dirty="0">
+                <a:solidFill>
+                  <a:schemeClr val="tx1"/>
+                </a:solidFill>
+                <a:effectLst/>
+                <a:latin typeface="+mn-lt"/>
+                <a:ea typeface="+mn-ea"/>
+                <a:cs typeface="+mn-cs"/>
+              </a:rPr>
+              <a:t>Evaluates the expression using Python's eval() function</a:t>
+            </a:r>
+          </a:p>
+          <a:p>
+            <a:r>
+              <a:rPr lang="en-US" sz="1200" b="0" i="0" kern="1200" dirty="0">
+                <a:solidFill>
+                  <a:schemeClr val="tx1"/>
+                </a:solidFill>
+                <a:effectLst/>
+                <a:latin typeface="+mn-lt"/>
+                <a:ea typeface="+mn-ea"/>
+                <a:cs typeface="+mn-cs"/>
+              </a:rPr>
+              <a:t>Clears or deletes characters from the expression</a:t>
+            </a:r>
+          </a:p>
+          <a:p>
             <a:endParaRPr lang="en-US" dirty="0"/>
           </a:p>
         </p:txBody>
@@ -1082,6 +1175,134 @@
           <a:bodyPr/>
           <a:lstStyle/>
           <a:p>
+            <a:r>
+              <a:rPr lang="en-US" sz="1200" b="1" i="0" kern="1200" dirty="0" err="1">
+                <a:solidFill>
+                  <a:schemeClr val="tx1"/>
+                </a:solidFill>
+                <a:effectLst/>
+                <a:latin typeface="+mn-lt"/>
+                <a:ea typeface="+mn-ea"/>
+                <a:cs typeface="+mn-cs"/>
+              </a:rPr>
+              <a:t>CalculatorApp</a:t>
+            </a:r>
+            <a:endParaRPr lang="en-US" sz="1200" b="1" i="0" kern="1200" dirty="0">
+              <a:solidFill>
+                <a:schemeClr val="tx1"/>
+              </a:solidFill>
+              <a:effectLst/>
+              <a:latin typeface="+mn-lt"/>
+              <a:ea typeface="+mn-ea"/>
+              <a:cs typeface="+mn-cs"/>
+            </a:endParaRPr>
+          </a:p>
+          <a:p>
+            <a:r>
+              <a:rPr lang="en-US" sz="1200" b="0" i="0" kern="1200" dirty="0">
+                <a:solidFill>
+                  <a:schemeClr val="tx1"/>
+                </a:solidFill>
+                <a:effectLst/>
+                <a:latin typeface="+mn-lt"/>
+                <a:ea typeface="+mn-ea"/>
+                <a:cs typeface="+mn-cs"/>
+              </a:rPr>
+              <a:t>Inherits from </a:t>
+            </a:r>
+            <a:r>
+              <a:rPr lang="en-US" sz="1200" b="0" i="0" kern="1200" dirty="0" err="1">
+                <a:solidFill>
+                  <a:schemeClr val="tx1"/>
+                </a:solidFill>
+                <a:effectLst/>
+                <a:latin typeface="+mn-lt"/>
+                <a:ea typeface="+mn-ea"/>
+                <a:cs typeface="+mn-cs"/>
+              </a:rPr>
+              <a:t>tk.Tk</a:t>
+            </a:r>
+            <a:endParaRPr lang="en-US" sz="1200" b="0" i="0" kern="1200" dirty="0">
+              <a:solidFill>
+                <a:schemeClr val="tx1"/>
+              </a:solidFill>
+              <a:effectLst/>
+              <a:latin typeface="+mn-lt"/>
+              <a:ea typeface="+mn-ea"/>
+              <a:cs typeface="+mn-cs"/>
+            </a:endParaRPr>
+          </a:p>
+          <a:p>
+            <a:r>
+              <a:rPr lang="en-US" sz="1200" b="0" i="0" kern="1200" dirty="0">
+                <a:solidFill>
+                  <a:schemeClr val="tx1"/>
+                </a:solidFill>
+                <a:effectLst/>
+                <a:latin typeface="+mn-lt"/>
+                <a:ea typeface="+mn-ea"/>
+                <a:cs typeface="+mn-cs"/>
+              </a:rPr>
+              <a:t>Creates and arranges all buttons and the display entry field</a:t>
+            </a:r>
+          </a:p>
+          <a:p>
+            <a:r>
+              <a:rPr lang="en-US" sz="1200" b="0" i="0" kern="1200" dirty="0">
+                <a:solidFill>
+                  <a:schemeClr val="tx1"/>
+                </a:solidFill>
+                <a:effectLst/>
+                <a:latin typeface="+mn-lt"/>
+                <a:ea typeface="+mn-ea"/>
+                <a:cs typeface="+mn-cs"/>
+              </a:rPr>
+              <a:t>Applies simple color styling for a light pink theme</a:t>
+            </a:r>
+          </a:p>
+          <a:p>
+            <a:r>
+              <a:rPr lang="en-US" sz="1200" b="0" i="0" kern="1200" dirty="0">
+                <a:solidFill>
+                  <a:schemeClr val="tx1"/>
+                </a:solidFill>
+                <a:effectLst/>
+                <a:latin typeface="+mn-lt"/>
+                <a:ea typeface="+mn-ea"/>
+                <a:cs typeface="+mn-cs"/>
+              </a:rPr>
+              <a:t>Connects UI button actions to the logic class</a:t>
+            </a:r>
+          </a:p>
+          <a:p>
+            <a:r>
+              <a:rPr lang="en-US" sz="1200" b="0" i="0" kern="1200" dirty="0">
+                <a:solidFill>
+                  <a:schemeClr val="tx1"/>
+                </a:solidFill>
+                <a:effectLst/>
+                <a:latin typeface="+mn-lt"/>
+                <a:ea typeface="+mn-ea"/>
+                <a:cs typeface="+mn-cs"/>
+              </a:rPr>
+              <a:t>Updates the display based on user interactions</a:t>
+            </a:r>
+          </a:p>
+          <a:p>
+            <a:r>
+              <a:rPr lang="en-US" sz="1200" b="0" i="0" kern="1200" dirty="0">
+                <a:solidFill>
+                  <a:schemeClr val="tx1"/>
+                </a:solidFill>
+                <a:effectLst/>
+                <a:latin typeface="+mn-lt"/>
+                <a:ea typeface="+mn-ea"/>
+                <a:cs typeface="+mn-cs"/>
+              </a:rPr>
+              <a:t>Separating the logic from the interface improves readability and maintainability.</a:t>
+            </a:r>
+          </a:p>
+          <a:p>
             <a:endParaRPr lang="en-US" dirty="0"/>
           </a:p>
         </p:txBody>
@@ -1112,7 +1333,7 @@
     </p:spTree>
     <p:extLst>
       <p:ext uri="{BB962C8B-B14F-4D97-AF65-F5344CB8AC3E}">
-        <p14:creationId xmlns:p14="http://schemas.microsoft.com/office/powerpoint/2010/main" val="384972022"/>
+        <p14:creationId xmlns:p14="http://schemas.microsoft.com/office/powerpoint/2010/main" val="3047972301"/>
       </p:ext>
     </p:extLst>
   </p:cSld>
@@ -1196,7 +1417,7 @@
     </p:spTree>
     <p:extLst>
       <p:ext uri="{BB962C8B-B14F-4D97-AF65-F5344CB8AC3E}">
-        <p14:creationId xmlns:p14="http://schemas.microsoft.com/office/powerpoint/2010/main" val="4255841742"/>
+        <p14:creationId xmlns:p14="http://schemas.microsoft.com/office/powerpoint/2010/main" val="384972022"/>
       </p:ext>
     </p:extLst>
   </p:cSld>
@@ -4208,757 +4429,6 @@
 </p:sldLayout>
 </file>
 
-<file path=ppt/slideLayouts/slideLayout17.xml><?xml version="1.0" encoding="utf-8"?>
-<p:sldLayout xmlns:a="http://schemas.openxmlformats.org/drawingml/2006/main" xmlns:r="http://schemas.openxmlformats.org/officeDocument/2006/relationships" xmlns:p="http://schemas.openxmlformats.org/presentationml/2006/main" userDrawn="1">
-  <p:cSld name="Closing">
-    <p:spTree>
-      <p:nvGrpSpPr>
-        <p:cNvPr id="1" name=""/>
-        <p:cNvGrpSpPr/>
-        <p:nvPr/>
-      </p:nvGrpSpPr>
-      <p:grpSpPr>
-        <a:xfrm>
-          <a:off x="0" y="0"/>
-          <a:ext cx="0" cy="0"/>
-          <a:chOff x="0" y="0"/>
-          <a:chExt cx="0" cy="0"/>
-        </a:xfrm>
-      </p:grpSpPr>
-      <p:sp>
-        <p:nvSpPr>
-          <p:cNvPr id="7" name="Title 1">
-            <a:extLst>
-              <a:ext uri="{FF2B5EF4-FFF2-40B4-BE49-F238E27FC236}">
-                <a16:creationId xmlns:a16="http://schemas.microsoft.com/office/drawing/2014/main" id="{79BDEB7A-D103-487A-8C1B-9145FB24B663}"/>
-              </a:ext>
-            </a:extLst>
-          </p:cNvPr>
-          <p:cNvSpPr>
-            <a:spLocks noGrp="1"/>
-          </p:cNvSpPr>
-          <p:nvPr>
-            <p:ph type="title" hasCustomPrompt="1"/>
-          </p:nvPr>
-        </p:nvSpPr>
-        <p:spPr>
-          <a:xfrm>
-            <a:off x="422897" y="539496"/>
-            <a:ext cx="5228393" cy="2697190"/>
-          </a:xfrm>
-        </p:spPr>
-        <p:txBody>
-          <a:bodyPr anchor="b">
-            <a:normAutofit/>
-          </a:bodyPr>
-          <a:lstStyle>
-            <a:lvl1pPr>
-              <a:defRPr sz="4400"/>
-            </a:lvl1pPr>
-          </a:lstStyle>
-          <a:p>
-            <a:r>
-              <a:rPr lang="en-US" sz="4800" dirty="0"/>
-              <a:t>Click to add title </a:t>
-            </a:r>
-          </a:p>
-        </p:txBody>
-      </p:sp>
-      <p:sp>
-        <p:nvSpPr>
-          <p:cNvPr id="8" name="Content Placeholder 2">
-            <a:extLst>
-              <a:ext uri="{FF2B5EF4-FFF2-40B4-BE49-F238E27FC236}">
-                <a16:creationId xmlns:a16="http://schemas.microsoft.com/office/drawing/2014/main" id="{F3017A3E-25F7-41D5-AABB-24D0E2673A63}"/>
-              </a:ext>
-            </a:extLst>
-          </p:cNvPr>
-          <p:cNvSpPr>
-            <a:spLocks noGrp="1"/>
-          </p:cNvSpPr>
-          <p:nvPr>
-            <p:ph idx="1" hasCustomPrompt="1"/>
-          </p:nvPr>
-        </p:nvSpPr>
-        <p:spPr>
-          <a:xfrm>
-            <a:off x="422897" y="3354749"/>
-            <a:ext cx="5228392" cy="2582470"/>
-          </a:xfrm>
-        </p:spPr>
-        <p:txBody>
-          <a:bodyPr>
-            <a:noAutofit/>
-          </a:bodyPr>
-          <a:lstStyle>
-            <a:lvl1pPr marL="0" indent="0">
-              <a:buNone/>
-              <a:defRPr sz="1800"/>
-            </a:lvl1pPr>
-            <a:lvl2pPr>
-              <a:defRPr sz="1800"/>
-            </a:lvl2pPr>
-            <a:lvl3pPr>
-              <a:defRPr sz="1800"/>
-            </a:lvl3pPr>
-            <a:lvl4pPr>
-              <a:defRPr sz="1800"/>
-            </a:lvl4pPr>
-            <a:lvl5pPr>
-              <a:defRPr sz="1800"/>
-            </a:lvl5pPr>
-          </a:lstStyle>
-          <a:p>
-            <a:pPr lvl="0"/>
-            <a:r>
-              <a:rPr lang="en-US" dirty="0"/>
-              <a:t>Click to add content</a:t>
-            </a:r>
-          </a:p>
-          <a:p>
-            <a:pPr lvl="1"/>
-            <a:r>
-              <a:rPr lang="en-US" dirty="0"/>
-              <a:t>Second level</a:t>
-            </a:r>
-          </a:p>
-          <a:p>
-            <a:pPr lvl="2"/>
-            <a:r>
-              <a:rPr lang="en-US" dirty="0"/>
-              <a:t>Third level</a:t>
-            </a:r>
-          </a:p>
-          <a:p>
-            <a:pPr lvl="3"/>
-            <a:r>
-              <a:rPr lang="en-US" dirty="0"/>
-              <a:t>Fourth level</a:t>
-            </a:r>
-          </a:p>
-          <a:p>
-            <a:pPr lvl="4"/>
-            <a:r>
-              <a:rPr lang="en-US" dirty="0"/>
-              <a:t>Fifth level</a:t>
-            </a:r>
-          </a:p>
-        </p:txBody>
-      </p:sp>
-      <p:cxnSp>
-        <p:nvCxnSpPr>
-          <p:cNvPr id="12" name="Straight Connector 11">
-            <a:extLst>
-              <a:ext uri="{FF2B5EF4-FFF2-40B4-BE49-F238E27FC236}">
-                <a16:creationId xmlns:a16="http://schemas.microsoft.com/office/drawing/2014/main" id="{505C0C26-4C66-47DC-B079-5B94C22F15BD}"/>
-              </a:ext>
-              <a:ext uri="{C183D7F6-B498-43B3-948B-1728B52AA6E4}">
-                <adec:decorative xmlns:adec="http://schemas.microsoft.com/office/drawing/2017/decorative" val="1"/>
-              </a:ext>
-            </a:extLst>
-          </p:cNvPr>
-          <p:cNvCxnSpPr>
-            <a:cxnSpLocks/>
-          </p:cNvCxnSpPr>
-          <p:nvPr userDrawn="1"/>
-        </p:nvCxnSpPr>
-        <p:spPr>
-          <a:xfrm>
-            <a:off x="1524" y="6172200"/>
-            <a:ext cx="12192000" cy="0"/>
-          </a:xfrm>
-          <a:prstGeom prst="line">
-            <a:avLst/>
-          </a:prstGeom>
-          <a:ln w="9525" cap="rnd">
-            <a:solidFill>
-              <a:schemeClr val="accent3"/>
-            </a:solidFill>
-            <a:prstDash val="dash"/>
-          </a:ln>
-        </p:spPr>
-        <p:style>
-          <a:lnRef idx="1">
-            <a:schemeClr val="accent1"/>
-          </a:lnRef>
-          <a:fillRef idx="0">
-            <a:schemeClr val="accent1"/>
-          </a:fillRef>
-          <a:effectRef idx="0">
-            <a:schemeClr val="accent1"/>
-          </a:effectRef>
-          <a:fontRef idx="minor">
-            <a:schemeClr val="tx1"/>
-          </a:fontRef>
-        </p:style>
-      </p:cxnSp>
-      <p:cxnSp>
-        <p:nvCxnSpPr>
-          <p:cNvPr id="13" name="Straight Connector 12">
-            <a:extLst>
-              <a:ext uri="{FF2B5EF4-FFF2-40B4-BE49-F238E27FC236}">
-                <a16:creationId xmlns:a16="http://schemas.microsoft.com/office/drawing/2014/main" id="{A07E30B1-7066-9D31-7A11-7B81B65DD8BA}"/>
-              </a:ext>
-              <a:ext uri="{C183D7F6-B498-43B3-948B-1728B52AA6E4}">
-                <adec:decorative xmlns:adec="http://schemas.microsoft.com/office/drawing/2017/decorative" val="1"/>
-              </a:ext>
-            </a:extLst>
-          </p:cNvPr>
-          <p:cNvCxnSpPr>
-            <a:cxnSpLocks/>
-          </p:cNvCxnSpPr>
-          <p:nvPr userDrawn="1"/>
-        </p:nvCxnSpPr>
-        <p:spPr>
-          <a:xfrm flipV="1">
-            <a:off x="11496184" y="5610"/>
-            <a:ext cx="0" cy="6858000"/>
-          </a:xfrm>
-          <a:prstGeom prst="line">
-            <a:avLst/>
-          </a:prstGeom>
-          <a:ln w="9525" cap="rnd">
-            <a:solidFill>
-              <a:schemeClr val="accent3"/>
-            </a:solidFill>
-            <a:prstDash val="dash"/>
-          </a:ln>
-        </p:spPr>
-        <p:style>
-          <a:lnRef idx="1">
-            <a:schemeClr val="accent1"/>
-          </a:lnRef>
-          <a:fillRef idx="0">
-            <a:schemeClr val="accent1"/>
-          </a:fillRef>
-          <a:effectRef idx="0">
-            <a:schemeClr val="accent1"/>
-          </a:effectRef>
-          <a:fontRef idx="minor">
-            <a:schemeClr val="tx1"/>
-          </a:fontRef>
-        </p:style>
-      </p:cxnSp>
-      <p:sp>
-        <p:nvSpPr>
-          <p:cNvPr id="15" name="Rectangle 14">
-            <a:extLst>
-              <a:ext uri="{FF2B5EF4-FFF2-40B4-BE49-F238E27FC236}">
-                <a16:creationId xmlns:a16="http://schemas.microsoft.com/office/drawing/2014/main" id="{972E672D-C862-C853-0730-15E3C4953D67}"/>
-              </a:ext>
-            </a:extLst>
-          </p:cNvPr>
-          <p:cNvSpPr/>
-          <p:nvPr userDrawn="1"/>
-        </p:nvSpPr>
-        <p:spPr>
-          <a:xfrm>
-            <a:off x="9884230" y="1"/>
-            <a:ext cx="1611954" cy="6857999"/>
-          </a:xfrm>
-          <a:prstGeom prst="rect">
-            <a:avLst/>
-          </a:prstGeom>
-          <a:solidFill>
-            <a:schemeClr val="accent3">
-              <a:alpha val="25000"/>
-            </a:schemeClr>
-          </a:solidFill>
-          <a:ln>
-            <a:noFill/>
-          </a:ln>
-        </p:spPr>
-        <p:style>
-          <a:lnRef idx="2">
-            <a:schemeClr val="accent1">
-              <a:shade val="15000"/>
-            </a:schemeClr>
-          </a:lnRef>
-          <a:fillRef idx="1">
-            <a:schemeClr val="accent1"/>
-          </a:fillRef>
-          <a:effectRef idx="0">
-            <a:schemeClr val="accent1"/>
-          </a:effectRef>
-          <a:fontRef idx="minor">
-            <a:schemeClr val="lt1"/>
-          </a:fontRef>
-        </p:style>
-        <p:txBody>
-          <a:bodyPr rtlCol="0" anchor="ctr"/>
-          <a:lstStyle/>
-          <a:p>
-            <a:pPr algn="ctr"/>
-            <a:endParaRPr lang="en-US" dirty="0"/>
-          </a:p>
-        </p:txBody>
-      </p:sp>
-      <p:cxnSp>
-        <p:nvCxnSpPr>
-          <p:cNvPr id="16" name="Straight Connector 15">
-            <a:extLst>
-              <a:ext uri="{FF2B5EF4-FFF2-40B4-BE49-F238E27FC236}">
-                <a16:creationId xmlns:a16="http://schemas.microsoft.com/office/drawing/2014/main" id="{910336ED-3DCB-4524-8A3F-9FBBD0B18E87}"/>
-              </a:ext>
-              <a:ext uri="{C183D7F6-B498-43B3-948B-1728B52AA6E4}">
-                <adec:decorative xmlns:adec="http://schemas.microsoft.com/office/drawing/2017/decorative" val="1"/>
-              </a:ext>
-            </a:extLst>
-          </p:cNvPr>
-          <p:cNvCxnSpPr>
-            <a:cxnSpLocks/>
-          </p:cNvCxnSpPr>
-          <p:nvPr userDrawn="1"/>
-        </p:nvCxnSpPr>
-        <p:spPr>
-          <a:xfrm flipV="1">
-            <a:off x="11605041" y="0"/>
-            <a:ext cx="0" cy="6858000"/>
-          </a:xfrm>
-          <a:prstGeom prst="line">
-            <a:avLst/>
-          </a:prstGeom>
-          <a:ln w="9525" cap="rnd">
-            <a:solidFill>
-              <a:schemeClr val="accent3"/>
-            </a:solidFill>
-            <a:prstDash val="dash"/>
-          </a:ln>
-        </p:spPr>
-        <p:style>
-          <a:lnRef idx="1">
-            <a:schemeClr val="accent1"/>
-          </a:lnRef>
-          <a:fillRef idx="0">
-            <a:schemeClr val="accent1"/>
-          </a:fillRef>
-          <a:effectRef idx="0">
-            <a:schemeClr val="accent1"/>
-          </a:effectRef>
-          <a:fontRef idx="minor">
-            <a:schemeClr val="tx1"/>
-          </a:fontRef>
-        </p:style>
-      </p:cxnSp>
-      <p:cxnSp>
-        <p:nvCxnSpPr>
-          <p:cNvPr id="17" name="Straight Connector 16">
-            <a:extLst>
-              <a:ext uri="{FF2B5EF4-FFF2-40B4-BE49-F238E27FC236}">
-                <a16:creationId xmlns:a16="http://schemas.microsoft.com/office/drawing/2014/main" id="{2815F86B-1A6A-ECD5-F63A-4280BADEF7C2}"/>
-              </a:ext>
-              <a:ext uri="{C183D7F6-B498-43B3-948B-1728B52AA6E4}">
-                <adec:decorative xmlns:adec="http://schemas.microsoft.com/office/drawing/2017/decorative" val="1"/>
-              </a:ext>
-            </a:extLst>
-          </p:cNvPr>
-          <p:cNvCxnSpPr>
-            <a:cxnSpLocks/>
-          </p:cNvCxnSpPr>
-          <p:nvPr userDrawn="1"/>
-        </p:nvCxnSpPr>
-        <p:spPr>
-          <a:xfrm flipV="1">
-            <a:off x="9884230" y="0"/>
-            <a:ext cx="0" cy="6858000"/>
-          </a:xfrm>
-          <a:prstGeom prst="line">
-            <a:avLst/>
-          </a:prstGeom>
-          <a:ln w="9525" cap="rnd">
-            <a:solidFill>
-              <a:schemeClr val="accent3"/>
-            </a:solidFill>
-            <a:prstDash val="dash"/>
-          </a:ln>
-        </p:spPr>
-        <p:style>
-          <a:lnRef idx="1">
-            <a:schemeClr val="accent1"/>
-          </a:lnRef>
-          <a:fillRef idx="0">
-            <a:schemeClr val="accent1"/>
-          </a:fillRef>
-          <a:effectRef idx="0">
-            <a:schemeClr val="accent1"/>
-          </a:effectRef>
-          <a:fontRef idx="minor">
-            <a:schemeClr val="tx1"/>
-          </a:fontRef>
-        </p:style>
-      </p:cxnSp>
-      <p:cxnSp>
-        <p:nvCxnSpPr>
-          <p:cNvPr id="18" name="Straight Connector 17">
-            <a:extLst>
-              <a:ext uri="{FF2B5EF4-FFF2-40B4-BE49-F238E27FC236}">
-                <a16:creationId xmlns:a16="http://schemas.microsoft.com/office/drawing/2014/main" id="{7B5534F0-444E-1FA5-FC8F-F04505FC0F29}"/>
-              </a:ext>
-              <a:ext uri="{C183D7F6-B498-43B3-948B-1728B52AA6E4}">
-                <adec:decorative xmlns:adec="http://schemas.microsoft.com/office/drawing/2017/decorative" val="1"/>
-              </a:ext>
-            </a:extLst>
-          </p:cNvPr>
-          <p:cNvCxnSpPr>
-            <a:cxnSpLocks/>
-          </p:cNvCxnSpPr>
-          <p:nvPr userDrawn="1"/>
-        </p:nvCxnSpPr>
-        <p:spPr>
-          <a:xfrm flipV="1">
-            <a:off x="9768622" y="0"/>
-            <a:ext cx="0" cy="6858000"/>
-          </a:xfrm>
-          <a:prstGeom prst="line">
-            <a:avLst/>
-          </a:prstGeom>
-          <a:ln w="9525" cap="rnd">
-            <a:solidFill>
-              <a:schemeClr val="accent3"/>
-            </a:solidFill>
-            <a:prstDash val="dash"/>
-          </a:ln>
-        </p:spPr>
-        <p:style>
-          <a:lnRef idx="1">
-            <a:schemeClr val="accent1"/>
-          </a:lnRef>
-          <a:fillRef idx="0">
-            <a:schemeClr val="accent1"/>
-          </a:fillRef>
-          <a:effectRef idx="0">
-            <a:schemeClr val="accent1"/>
-          </a:effectRef>
-          <a:fontRef idx="minor">
-            <a:schemeClr val="tx1"/>
-          </a:fontRef>
-        </p:style>
-      </p:cxnSp>
-      <p:cxnSp>
-        <p:nvCxnSpPr>
-          <p:cNvPr id="29" name="Straight Connector 28">
-            <a:extLst>
-              <a:ext uri="{FF2B5EF4-FFF2-40B4-BE49-F238E27FC236}">
-                <a16:creationId xmlns:a16="http://schemas.microsoft.com/office/drawing/2014/main" id="{5119972F-DA18-8749-FF59-A83CA1E1F4A3}"/>
-              </a:ext>
-              <a:ext uri="{C183D7F6-B498-43B3-948B-1728B52AA6E4}">
-                <adec:decorative xmlns:adec="http://schemas.microsoft.com/office/drawing/2017/decorative" val="1"/>
-              </a:ext>
-            </a:extLst>
-          </p:cNvPr>
-          <p:cNvCxnSpPr>
-            <a:cxnSpLocks/>
-          </p:cNvCxnSpPr>
-          <p:nvPr userDrawn="1"/>
-        </p:nvCxnSpPr>
-        <p:spPr>
-          <a:xfrm flipV="1">
-            <a:off x="9372495" y="5610"/>
-            <a:ext cx="0" cy="6858000"/>
-          </a:xfrm>
-          <a:prstGeom prst="line">
-            <a:avLst/>
-          </a:prstGeom>
-          <a:ln w="9525" cap="rnd">
-            <a:solidFill>
-              <a:schemeClr val="accent3"/>
-            </a:solidFill>
-            <a:prstDash val="dash"/>
-          </a:ln>
-        </p:spPr>
-        <p:style>
-          <a:lnRef idx="1">
-            <a:schemeClr val="accent1"/>
-          </a:lnRef>
-          <a:fillRef idx="0">
-            <a:schemeClr val="accent1"/>
-          </a:fillRef>
-          <a:effectRef idx="0">
-            <a:schemeClr val="accent1"/>
-          </a:effectRef>
-          <a:fontRef idx="minor">
-            <a:schemeClr val="tx1"/>
-          </a:fontRef>
-        </p:style>
-      </p:cxnSp>
-      <p:sp>
-        <p:nvSpPr>
-          <p:cNvPr id="30" name="Rectangle 29">
-            <a:extLst>
-              <a:ext uri="{FF2B5EF4-FFF2-40B4-BE49-F238E27FC236}">
-                <a16:creationId xmlns:a16="http://schemas.microsoft.com/office/drawing/2014/main" id="{067D80A1-B7E7-2F80-975E-2E87C591BB67}"/>
-              </a:ext>
-            </a:extLst>
-          </p:cNvPr>
-          <p:cNvSpPr/>
-          <p:nvPr userDrawn="1"/>
-        </p:nvSpPr>
-        <p:spPr>
-          <a:xfrm>
-            <a:off x="7760541" y="1"/>
-            <a:ext cx="1611954" cy="6857999"/>
-          </a:xfrm>
-          <a:prstGeom prst="rect">
-            <a:avLst/>
-          </a:prstGeom>
-          <a:solidFill>
-            <a:schemeClr val="accent3">
-              <a:alpha val="25000"/>
-            </a:schemeClr>
-          </a:solidFill>
-          <a:ln>
-            <a:noFill/>
-          </a:ln>
-        </p:spPr>
-        <p:style>
-          <a:lnRef idx="2">
-            <a:schemeClr val="accent1">
-              <a:shade val="15000"/>
-            </a:schemeClr>
-          </a:lnRef>
-          <a:fillRef idx="1">
-            <a:schemeClr val="accent1"/>
-          </a:fillRef>
-          <a:effectRef idx="0">
-            <a:schemeClr val="accent1"/>
-          </a:effectRef>
-          <a:fontRef idx="minor">
-            <a:schemeClr val="lt1"/>
-          </a:fontRef>
-        </p:style>
-        <p:txBody>
-          <a:bodyPr rtlCol="0" anchor="ctr"/>
-          <a:lstStyle/>
-          <a:p>
-            <a:pPr algn="ctr"/>
-            <a:endParaRPr lang="en-US" dirty="0"/>
-          </a:p>
-        </p:txBody>
-      </p:sp>
-      <p:cxnSp>
-        <p:nvCxnSpPr>
-          <p:cNvPr id="31" name="Straight Connector 30">
-            <a:extLst>
-              <a:ext uri="{FF2B5EF4-FFF2-40B4-BE49-F238E27FC236}">
-                <a16:creationId xmlns:a16="http://schemas.microsoft.com/office/drawing/2014/main" id="{BE88F6AB-6890-F7DE-7C01-CE237F778605}"/>
-              </a:ext>
-              <a:ext uri="{C183D7F6-B498-43B3-948B-1728B52AA6E4}">
-                <adec:decorative xmlns:adec="http://schemas.microsoft.com/office/drawing/2017/decorative" val="1"/>
-              </a:ext>
-            </a:extLst>
-          </p:cNvPr>
-          <p:cNvCxnSpPr>
-            <a:cxnSpLocks/>
-          </p:cNvCxnSpPr>
-          <p:nvPr userDrawn="1"/>
-        </p:nvCxnSpPr>
-        <p:spPr>
-          <a:xfrm flipV="1">
-            <a:off x="9481352" y="0"/>
-            <a:ext cx="0" cy="6858000"/>
-          </a:xfrm>
-          <a:prstGeom prst="line">
-            <a:avLst/>
-          </a:prstGeom>
-          <a:ln w="9525" cap="rnd">
-            <a:solidFill>
-              <a:schemeClr val="accent3"/>
-            </a:solidFill>
-            <a:prstDash val="dash"/>
-          </a:ln>
-        </p:spPr>
-        <p:style>
-          <a:lnRef idx="1">
-            <a:schemeClr val="accent1"/>
-          </a:lnRef>
-          <a:fillRef idx="0">
-            <a:schemeClr val="accent1"/>
-          </a:fillRef>
-          <a:effectRef idx="0">
-            <a:schemeClr val="accent1"/>
-          </a:effectRef>
-          <a:fontRef idx="minor">
-            <a:schemeClr val="tx1"/>
-          </a:fontRef>
-        </p:style>
-      </p:cxnSp>
-      <p:cxnSp>
-        <p:nvCxnSpPr>
-          <p:cNvPr id="32" name="Straight Connector 31">
-            <a:extLst>
-              <a:ext uri="{FF2B5EF4-FFF2-40B4-BE49-F238E27FC236}">
-                <a16:creationId xmlns:a16="http://schemas.microsoft.com/office/drawing/2014/main" id="{5F6575E3-45E3-206E-9037-D8FD562B722A}"/>
-              </a:ext>
-              <a:ext uri="{C183D7F6-B498-43B3-948B-1728B52AA6E4}">
-                <adec:decorative xmlns:adec="http://schemas.microsoft.com/office/drawing/2017/decorative" val="1"/>
-              </a:ext>
-            </a:extLst>
-          </p:cNvPr>
-          <p:cNvCxnSpPr>
-            <a:cxnSpLocks/>
-          </p:cNvCxnSpPr>
-          <p:nvPr userDrawn="1"/>
-        </p:nvCxnSpPr>
-        <p:spPr>
-          <a:xfrm flipV="1">
-            <a:off x="7760541" y="0"/>
-            <a:ext cx="0" cy="6858000"/>
-          </a:xfrm>
-          <a:prstGeom prst="line">
-            <a:avLst/>
-          </a:prstGeom>
-          <a:ln w="9525" cap="rnd">
-            <a:solidFill>
-              <a:schemeClr val="accent3"/>
-            </a:solidFill>
-            <a:prstDash val="dash"/>
-          </a:ln>
-        </p:spPr>
-        <p:style>
-          <a:lnRef idx="1">
-            <a:schemeClr val="accent1"/>
-          </a:lnRef>
-          <a:fillRef idx="0">
-            <a:schemeClr val="accent1"/>
-          </a:fillRef>
-          <a:effectRef idx="0">
-            <a:schemeClr val="accent1"/>
-          </a:effectRef>
-          <a:fontRef idx="minor">
-            <a:schemeClr val="tx1"/>
-          </a:fontRef>
-        </p:style>
-      </p:cxnSp>
-      <p:cxnSp>
-        <p:nvCxnSpPr>
-          <p:cNvPr id="33" name="Straight Connector 32">
-            <a:extLst>
-              <a:ext uri="{FF2B5EF4-FFF2-40B4-BE49-F238E27FC236}">
-                <a16:creationId xmlns:a16="http://schemas.microsoft.com/office/drawing/2014/main" id="{9BE4BC31-600E-ECD3-1E7F-FE4F6F720A6A}"/>
-              </a:ext>
-              <a:ext uri="{C183D7F6-B498-43B3-948B-1728B52AA6E4}">
-                <adec:decorative xmlns:adec="http://schemas.microsoft.com/office/drawing/2017/decorative" val="1"/>
-              </a:ext>
-            </a:extLst>
-          </p:cNvPr>
-          <p:cNvCxnSpPr>
-            <a:cxnSpLocks/>
-          </p:cNvCxnSpPr>
-          <p:nvPr userDrawn="1"/>
-        </p:nvCxnSpPr>
-        <p:spPr>
-          <a:xfrm flipV="1">
-            <a:off x="7644933" y="0"/>
-            <a:ext cx="0" cy="6858000"/>
-          </a:xfrm>
-          <a:prstGeom prst="line">
-            <a:avLst/>
-          </a:prstGeom>
-          <a:ln w="9525" cap="rnd">
-            <a:solidFill>
-              <a:schemeClr val="accent3"/>
-            </a:solidFill>
-            <a:prstDash val="dash"/>
-          </a:ln>
-        </p:spPr>
-        <p:style>
-          <a:lnRef idx="1">
-            <a:schemeClr val="accent1"/>
-          </a:lnRef>
-          <a:fillRef idx="0">
-            <a:schemeClr val="accent1"/>
-          </a:fillRef>
-          <a:effectRef idx="0">
-            <a:schemeClr val="accent1"/>
-          </a:effectRef>
-          <a:fontRef idx="minor">
-            <a:schemeClr val="tx1"/>
-          </a:fontRef>
-        </p:style>
-      </p:cxnSp>
-      <p:pic>
-        <p:nvPicPr>
-          <p:cNvPr id="34" name="Graphic 33">
-            <a:extLst>
-              <a:ext uri="{FF2B5EF4-FFF2-40B4-BE49-F238E27FC236}">
-                <a16:creationId xmlns:a16="http://schemas.microsoft.com/office/drawing/2014/main" id="{3F8CA839-B327-1ECD-C35D-02164F5BBDC9}"/>
-              </a:ext>
-            </a:extLst>
-          </p:cNvPr>
-          <p:cNvPicPr>
-            <a:picLocks noChangeAspect="1"/>
-          </p:cNvPicPr>
-          <p:nvPr userDrawn="1"/>
-        </p:nvPicPr>
-        <p:blipFill rotWithShape="1">
-          <a:blip r:embed="rId2">
-            <a:extLst>
-              <a:ext uri="{96DAC541-7B7A-43D3-8B79-37D633B846F1}">
-                <asvg:svgBlip xmlns:asvg="http://schemas.microsoft.com/office/drawing/2016/SVG/main" r:embed="rId3"/>
-              </a:ext>
-            </a:extLst>
-          </a:blip>
-          <a:srcRect l="31706" t="12194" r="49126" b="12256"/>
-          <a:stretch/>
-        </p:blipFill>
-        <p:spPr>
-          <a:xfrm>
-            <a:off x="9884229" y="-5609"/>
-            <a:ext cx="1611955" cy="6863608"/>
-          </a:xfrm>
-          <a:prstGeom prst="rect">
-            <a:avLst/>
-          </a:prstGeom>
-        </p:spPr>
-      </p:pic>
-      <p:pic>
-        <p:nvPicPr>
-          <p:cNvPr id="35" name="Graphic 34">
-            <a:extLst>
-              <a:ext uri="{FF2B5EF4-FFF2-40B4-BE49-F238E27FC236}">
-                <a16:creationId xmlns:a16="http://schemas.microsoft.com/office/drawing/2014/main" id="{E1A97957-D274-4D24-1862-D53BF72826C9}"/>
-              </a:ext>
-            </a:extLst>
-          </p:cNvPr>
-          <p:cNvPicPr>
-            <a:picLocks noChangeAspect="1"/>
-          </p:cNvPicPr>
-          <p:nvPr userDrawn="1"/>
-        </p:nvPicPr>
-        <p:blipFill rotWithShape="1">
-          <a:blip r:embed="rId2">
-            <a:extLst>
-              <a:ext uri="{96DAC541-7B7A-43D3-8B79-37D633B846F1}">
-                <asvg:svgBlip xmlns:asvg="http://schemas.microsoft.com/office/drawing/2016/SVG/main" r:embed="rId3"/>
-              </a:ext>
-            </a:extLst>
-          </a:blip>
-          <a:srcRect l="10790" t="12194" r="70042" b="12256"/>
-          <a:stretch/>
-        </p:blipFill>
-        <p:spPr>
-          <a:xfrm>
-            <a:off x="7753789" y="5610"/>
-            <a:ext cx="1611955" cy="6863608"/>
-          </a:xfrm>
-          <a:prstGeom prst="rect">
-            <a:avLst/>
-          </a:prstGeom>
-        </p:spPr>
-      </p:pic>
-    </p:spTree>
-    <p:extLst>
-      <p:ext uri="{BB962C8B-B14F-4D97-AF65-F5344CB8AC3E}">
-        <p14:creationId xmlns:p14="http://schemas.microsoft.com/office/powerpoint/2010/main" val="3746701821"/>
-      </p:ext>
-    </p:extLst>
-  </p:cSld>
-  <p:clrMapOvr>
-    <a:masterClrMapping/>
-  </p:clrMapOvr>
-</p:sldLayout>
-</file>
-
 <file path=ppt/slideLayouts/slideLayout2.xml><?xml version="1.0" encoding="utf-8"?>
 <p:sldLayout xmlns:a="http://schemas.openxmlformats.org/drawingml/2006/main" xmlns:r="http://schemas.openxmlformats.org/officeDocument/2006/relationships" xmlns:p="http://schemas.openxmlformats.org/presentationml/2006/main" type="obj" preserve="1">
   <p:cSld name="Title and Content">
@@ -8138,7 +7608,6 @@
     <p:sldLayoutId id="2147483899" r:id="rId14"/>
     <p:sldLayoutId id="2147483900" r:id="rId15"/>
     <p:sldLayoutId id="2147483902" r:id="rId16"/>
-    <p:sldLayoutId id="2147483907" r:id="rId17"/>
   </p:sldLayoutIdLst>
   <p:hf hdr="0" ftr="0" dt="0"/>
   <p:txStyles>
@@ -8616,7 +8085,7 @@
             </a:pPr>
             <a:r>
               <a:rPr lang="en-US" dirty="0"/>
-              <a:t>Performs: addition, subtraction, multiplication</a:t>
+              <a:t>Performs: addition, subtraction, multiplication, division</a:t>
             </a:r>
           </a:p>
           <a:p>
@@ -9312,7 +8781,7 @@
           <p:cNvPr id="2" name="Title 1">
             <a:extLst>
               <a:ext uri="{FF2B5EF4-FFF2-40B4-BE49-F238E27FC236}">
-                <a16:creationId xmlns:a16="http://schemas.microsoft.com/office/drawing/2014/main" id="{51585544-C200-BEF3-61CE-CCB5EE891064}"/>
+                <a16:creationId xmlns:a16="http://schemas.microsoft.com/office/drawing/2014/main" id="{521E81E9-4ED4-7A89-BF97-E58EB2947E63}"/>
               </a:ext>
             </a:extLst>
           </p:cNvPr>
@@ -9330,77 +8799,90 @@
           <a:p>
             <a:r>
               <a:rPr lang="en-US" dirty="0"/>
-              <a:t>What I learned</a:t>
-            </a:r>
-          </a:p>
-        </p:txBody>
-      </p:sp>
-      <p:sp>
-        <p:nvSpPr>
-          <p:cNvPr id="6" name="Content Placeholder 5">
-            <a:extLst>
-              <a:ext uri="{FF2B5EF4-FFF2-40B4-BE49-F238E27FC236}">
-                <a16:creationId xmlns:a16="http://schemas.microsoft.com/office/drawing/2014/main" id="{6335A923-029A-6A16-47FE-49ED6E141D18}"/>
-              </a:ext>
-            </a:extLst>
-          </p:cNvPr>
-          <p:cNvSpPr>
-            <a:spLocks noGrp="1"/>
-          </p:cNvSpPr>
-          <p:nvPr>
-            <p:ph sz="quarter" idx="4"/>
-          </p:nvPr>
-        </p:nvSpPr>
-        <p:spPr/>
-        <p:txBody>
-          <a:bodyPr/>
-          <a:lstStyle/>
-          <a:p>
-            <a:pPr marL="0" indent="0">
-              <a:buNone/>
-            </a:pPr>
-            <a:r>
-              <a:rPr lang="en-US" dirty="0"/>
-              <a:t>Sources:</a:t>
-            </a:r>
-          </a:p>
-          <a:p>
-            <a:r>
-              <a:rPr lang="en-US" dirty="0">
-                <a:hlinkClick r:id="rId3"/>
-              </a:rPr>
-              <a:t>https://docs.python.org/3/library/tkinter.html</a:t>
-            </a:r>
-            <a:endParaRPr lang="en-US" dirty="0"/>
-          </a:p>
-          <a:p>
-            <a:r>
-              <a:rPr lang="en-US" dirty="0">
-                <a:hlinkClick r:id="rId4"/>
-              </a:rPr>
-              <a:t>https://www.geeksforgeeks.org/python/python-gui-tkinter/</a:t>
-            </a:r>
-            <a:endParaRPr lang="en-US" dirty="0"/>
-          </a:p>
-          <a:p>
-            <a:endParaRPr lang="en-US" dirty="0"/>
-          </a:p>
-        </p:txBody>
-      </p:sp>
-      <p:sp>
-        <p:nvSpPr>
-          <p:cNvPr id="33" name="Slide Number Placeholder 32">
-            <a:extLst>
-              <a:ext uri="{FF2B5EF4-FFF2-40B4-BE49-F238E27FC236}">
-                <a16:creationId xmlns:a16="http://schemas.microsoft.com/office/drawing/2014/main" id="{9E4A32E4-179C-6FC0-8A0F-65F163803ABA}"/>
-              </a:ext>
-            </a:extLst>
-          </p:cNvPr>
-          <p:cNvSpPr>
-            <a:spLocks noGrp="1"/>
-          </p:cNvSpPr>
-          <p:nvPr>
-            <p:ph type="sldNum" sz="quarter" idx="14"/>
+              <a:t>	</a:t>
+            </a:r>
+          </a:p>
+        </p:txBody>
+      </p:sp>
+      <p:pic>
+        <p:nvPicPr>
+          <p:cNvPr id="7" name="Content Placeholder 6" descr="A screen shot of a computer program&#10;&#10;AI-generated content may be incorrect.">
+            <a:extLst>
+              <a:ext uri="{FF2B5EF4-FFF2-40B4-BE49-F238E27FC236}">
+                <a16:creationId xmlns:a16="http://schemas.microsoft.com/office/drawing/2014/main" id="{92EA624E-3881-C510-FCE3-31F461649F92}"/>
+              </a:ext>
+            </a:extLst>
+          </p:cNvPr>
+          <p:cNvPicPr>
+            <a:picLocks noGrp="1" noChangeAspect="1"/>
+          </p:cNvPicPr>
+          <p:nvPr>
+            <p:ph sz="half" idx="1"/>
+          </p:nvPr>
+        </p:nvPicPr>
+        <p:blipFill>
+          <a:blip r:embed="rId3"/>
+          <a:srcRect b="26263"/>
+          <a:stretch>
+            <a:fillRect/>
+          </a:stretch>
+        </p:blipFill>
+        <p:spPr>
+          <a:xfrm>
+            <a:off x="211976" y="196293"/>
+            <a:ext cx="5180046" cy="6640899"/>
+          </a:xfrm>
+          <a:prstGeom prst="rect">
+            <a:avLst/>
+          </a:prstGeom>
+        </p:spPr>
+      </p:pic>
+      <p:pic>
+        <p:nvPicPr>
+          <p:cNvPr id="9" name="Content Placeholder 8" descr="A screen shot of a computer program&#10;&#10;AI-generated content may be incorrect.">
+            <a:extLst>
+              <a:ext uri="{FF2B5EF4-FFF2-40B4-BE49-F238E27FC236}">
+                <a16:creationId xmlns:a16="http://schemas.microsoft.com/office/drawing/2014/main" id="{E5491CA6-9AF6-23F7-9585-54DBD51DB0DD}"/>
+              </a:ext>
+            </a:extLst>
+          </p:cNvPr>
+          <p:cNvPicPr>
+            <a:picLocks noGrp="1" noChangeAspect="1"/>
+          </p:cNvPicPr>
+          <p:nvPr>
+            <p:ph sz="half" idx="2"/>
+          </p:nvPr>
+        </p:nvPicPr>
+        <p:blipFill>
+          <a:blip r:embed="rId4"/>
+          <a:stretch>
+            <a:fillRect/>
+          </a:stretch>
+        </p:blipFill>
+        <p:spPr>
+          <a:xfrm>
+            <a:off x="5763705" y="1551297"/>
+            <a:ext cx="4800836" cy="5285895"/>
+          </a:xfrm>
+          <a:prstGeom prst="rect">
+            <a:avLst/>
+          </a:prstGeom>
+        </p:spPr>
+      </p:pic>
+      <p:sp>
+        <p:nvSpPr>
+          <p:cNvPr id="5" name="Slide Number Placeholder 4">
+            <a:extLst>
+              <a:ext uri="{FF2B5EF4-FFF2-40B4-BE49-F238E27FC236}">
+                <a16:creationId xmlns:a16="http://schemas.microsoft.com/office/drawing/2014/main" id="{435E2AA8-A646-254F-739D-56C073A9EFD8}"/>
+              </a:ext>
+            </a:extLst>
+          </p:cNvPr>
+          <p:cNvSpPr>
+            <a:spLocks noGrp="1"/>
+          </p:cNvSpPr>
+          <p:nvPr>
+            <p:ph type="sldNum" sz="quarter" idx="12"/>
           </p:nvPr>
         </p:nvSpPr>
         <p:spPr/>
@@ -9419,90 +8901,50 @@
       </p:sp>
       <p:sp>
         <p:nvSpPr>
-          <p:cNvPr id="4" name="Content Placeholder 3">
-            <a:extLst>
-              <a:ext uri="{FF2B5EF4-FFF2-40B4-BE49-F238E27FC236}">
-                <a16:creationId xmlns:a16="http://schemas.microsoft.com/office/drawing/2014/main" id="{E765806B-4BE0-6B7B-FE18-DF2D75670717}"/>
-              </a:ext>
-            </a:extLst>
-          </p:cNvPr>
-          <p:cNvSpPr>
-            <a:spLocks noGrp="1"/>
-          </p:cNvSpPr>
-          <p:nvPr>
-            <p:ph sz="half" idx="15"/>
-          </p:nvPr>
-        </p:nvSpPr>
-        <p:spPr/>
-        <p:txBody>
-          <a:bodyPr/>
+          <p:cNvPr id="10" name="TextBox 9">
+            <a:extLst>
+              <a:ext uri="{FF2B5EF4-FFF2-40B4-BE49-F238E27FC236}">
+                <a16:creationId xmlns:a16="http://schemas.microsoft.com/office/drawing/2014/main" id="{6291CD28-FF23-C878-56D0-C46CF22201FA}"/>
+              </a:ext>
+            </a:extLst>
+          </p:cNvPr>
+          <p:cNvSpPr txBox="1"/>
+          <p:nvPr/>
+        </p:nvSpPr>
+        <p:spPr>
+          <a:xfrm>
+            <a:off x="6558555" y="313569"/>
+            <a:ext cx="3095719" cy="1015663"/>
+          </a:xfrm>
+          <a:prstGeom prst="rect">
+            <a:avLst/>
+          </a:prstGeom>
+          <a:noFill/>
+        </p:spPr>
+        <p:txBody>
+          <a:bodyPr wrap="none" rtlCol="0">
+            <a:spAutoFit/>
+          </a:bodyPr>
           <a:lstStyle/>
           <a:p>
             <a:r>
-              <a:rPr lang="en-US" dirty="0"/>
-              <a:t>Key Takeaways:</a:t>
-            </a:r>
-            <a:br>
-              <a:rPr lang="en-US" dirty="0"/>
-            </a:br>
-            <a:endParaRPr lang="en-US" dirty="0"/>
-          </a:p>
-          <a:p>
-            <a:pPr marL="285750" indent="-285750">
-              <a:buFont typeface="Arial" panose="020B0604020202020204" pitchFamily="34" charset="0"/>
-              <a:buChar char="•"/>
-            </a:pPr>
-            <a:r>
-              <a:rPr lang="en-US" dirty="0"/>
-              <a:t> Basics of GUI development with </a:t>
-            </a:r>
-            <a:r>
-              <a:rPr lang="en-US" dirty="0" err="1"/>
-              <a:t>Tkinter</a:t>
-            </a:r>
-            <a:endParaRPr lang="en-US" dirty="0"/>
-          </a:p>
-          <a:p>
-            <a:pPr marL="285750" indent="-285750">
-              <a:buFont typeface="Arial" panose="020B0604020202020204" pitchFamily="34" charset="0"/>
-              <a:buChar char="•"/>
-            </a:pPr>
-            <a:r>
-              <a:rPr lang="en-US" dirty="0"/>
-              <a:t>How to bind buttons to functions</a:t>
-            </a:r>
-          </a:p>
-          <a:p>
-            <a:pPr marL="285750" indent="-285750">
-              <a:buFont typeface="Arial" panose="020B0604020202020204" pitchFamily="34" charset="0"/>
-              <a:buChar char="•"/>
-            </a:pPr>
-            <a:r>
-              <a:rPr lang="en-US" dirty="0"/>
-              <a:t>Practical debugging</a:t>
-            </a:r>
-          </a:p>
-          <a:p>
-            <a:pPr marL="285750" indent="-285750">
-              <a:buFont typeface="Arial" panose="020B0604020202020204" pitchFamily="34" charset="0"/>
-              <a:buChar char="•"/>
-            </a:pPr>
-            <a:r>
-              <a:rPr lang="en-US" dirty="0"/>
-              <a:t>Styling with </a:t>
-            </a:r>
-            <a:r>
-              <a:rPr lang="en-US" dirty="0" err="1"/>
-              <a:t>Tkinter</a:t>
-            </a:r>
-            <a:endParaRPr lang="en-US" dirty="0"/>
+              <a:rPr lang="en-US" sz="4000" dirty="0" err="1"/>
+              <a:t>CalculatorApp</a:t>
+            </a:r>
+            <a:endParaRPr lang="en-US" sz="4000" dirty="0"/>
+          </a:p>
+          <a:p>
+            <a:r>
+              <a:rPr lang="en-US" sz="2000" dirty="0"/>
+              <a:t>The GUI</a:t>
+            </a:r>
           </a:p>
         </p:txBody>
       </p:sp>
     </p:spTree>
     <p:extLst>
       <p:ext uri="{BB962C8B-B14F-4D97-AF65-F5344CB8AC3E}">
-        <p14:creationId xmlns:p14="http://schemas.microsoft.com/office/powerpoint/2010/main" val="1147369639"/>
+        <p14:creationId xmlns:p14="http://schemas.microsoft.com/office/powerpoint/2010/main" val="3689310120"/>
       </p:ext>
     </p:extLst>
   </p:cSld>
@@ -9534,7 +8976,7 @@
           <p:cNvPr id="2" name="Title 1">
             <a:extLst>
               <a:ext uri="{FF2B5EF4-FFF2-40B4-BE49-F238E27FC236}">
-                <a16:creationId xmlns:a16="http://schemas.microsoft.com/office/drawing/2014/main" id="{16DF1F15-46F5-4A2B-AF38-34F3B8027144}"/>
+                <a16:creationId xmlns:a16="http://schemas.microsoft.com/office/drawing/2014/main" id="{51585544-C200-BEF3-61CE-CCB5EE891064}"/>
               </a:ext>
             </a:extLst>
           </p:cNvPr>
@@ -9552,47 +8994,170 @@
           <a:p>
             <a:r>
               <a:rPr lang="en-US" dirty="0"/>
-              <a:t>Basic Calculator – </a:t>
-            </a:r>
-            <a:r>
-              <a:rPr lang="en-US" dirty="0" err="1"/>
-              <a:t>Github</a:t>
-            </a:r>
+              <a:t>What I learned</a:t>
+            </a:r>
+          </a:p>
+        </p:txBody>
+      </p:sp>
+      <p:sp>
+        <p:nvSpPr>
+          <p:cNvPr id="6" name="Content Placeholder 5">
+            <a:extLst>
+              <a:ext uri="{FF2B5EF4-FFF2-40B4-BE49-F238E27FC236}">
+                <a16:creationId xmlns:a16="http://schemas.microsoft.com/office/drawing/2014/main" id="{6335A923-029A-6A16-47FE-49ED6E141D18}"/>
+              </a:ext>
+            </a:extLst>
+          </p:cNvPr>
+          <p:cNvSpPr>
+            <a:spLocks noGrp="1"/>
+          </p:cNvSpPr>
+          <p:nvPr>
+            <p:ph sz="quarter" idx="4"/>
+          </p:nvPr>
+        </p:nvSpPr>
+        <p:spPr/>
+        <p:txBody>
+          <a:bodyPr/>
+          <a:lstStyle/>
+          <a:p>
+            <a:pPr marL="0" indent="0">
+              <a:buNone/>
+            </a:pPr>
             <a:r>
               <a:rPr lang="en-US" dirty="0"/>
-              <a:t> Link</a:t>
-            </a:r>
-          </a:p>
-        </p:txBody>
-      </p:sp>
-      <p:sp>
-        <p:nvSpPr>
-          <p:cNvPr id="3" name="Content Placeholder 2">
-            <a:extLst>
-              <a:ext uri="{FF2B5EF4-FFF2-40B4-BE49-F238E27FC236}">
-                <a16:creationId xmlns:a16="http://schemas.microsoft.com/office/drawing/2014/main" id="{360A4C54-B3B2-4B02-A340-C72E57FEE5FE}"/>
-              </a:ext>
-            </a:extLst>
-          </p:cNvPr>
-          <p:cNvSpPr>
-            <a:spLocks noGrp="1"/>
-          </p:cNvSpPr>
-          <p:nvPr>
-            <p:ph idx="1"/>
-          </p:nvPr>
-        </p:nvSpPr>
-        <p:spPr/>
-        <p:txBody>
-          <a:bodyPr vert="horz" lIns="91440" tIns="45720" rIns="91440" bIns="45720" rtlCol="0" anchor="t">
-            <a:noAutofit/>
-          </a:bodyPr>
-          <a:lstStyle/>
+              <a:t>Sources:</a:t>
+            </a:r>
+          </a:p>
           <a:p>
             <a:r>
               <a:rPr lang="en-US" dirty="0">
                 <a:hlinkClick r:id="rId3"/>
               </a:rPr>
-              <a:t>https://github.com/sarahfad/Basic-Calculator</a:t>
+              <a:t>https://docs.python.org/3/library/tkinter.html</a:t>
+            </a:r>
+            <a:endParaRPr lang="en-US" dirty="0"/>
+          </a:p>
+          <a:p>
+            <a:r>
+              <a:rPr lang="en-US" dirty="0">
+                <a:hlinkClick r:id="rId4"/>
+              </a:rPr>
+              <a:t>https://www.geeksforgeeks.org/python/python-gui-tkinter/</a:t>
+            </a:r>
+            <a:endParaRPr lang="en-US" dirty="0"/>
+          </a:p>
+          <a:p>
+            <a:endParaRPr lang="en-US" dirty="0"/>
+          </a:p>
+        </p:txBody>
+      </p:sp>
+      <p:sp>
+        <p:nvSpPr>
+          <p:cNvPr id="33" name="Slide Number Placeholder 32">
+            <a:extLst>
+              <a:ext uri="{FF2B5EF4-FFF2-40B4-BE49-F238E27FC236}">
+                <a16:creationId xmlns:a16="http://schemas.microsoft.com/office/drawing/2014/main" id="{9E4A32E4-179C-6FC0-8A0F-65F163803ABA}"/>
+              </a:ext>
+            </a:extLst>
+          </p:cNvPr>
+          <p:cNvSpPr>
+            <a:spLocks noGrp="1"/>
+          </p:cNvSpPr>
+          <p:nvPr>
+            <p:ph type="sldNum" sz="quarter" idx="14"/>
+          </p:nvPr>
+        </p:nvSpPr>
+        <p:spPr/>
+        <p:txBody>
+          <a:bodyPr/>
+          <a:lstStyle/>
+          <a:p>
+            <a:fld id="{3A4F6043-7A67-491B-98BC-F933DED7226D}" type="slidenum">
+              <a:rPr lang="en-US" smtClean="0"/>
+              <a:pPr/>
+              <a:t>6</a:t>
+            </a:fld>
+            <a:endParaRPr lang="en-US" dirty="0"/>
+          </a:p>
+        </p:txBody>
+      </p:sp>
+      <p:sp>
+        <p:nvSpPr>
+          <p:cNvPr id="4" name="Content Placeholder 3">
+            <a:extLst>
+              <a:ext uri="{FF2B5EF4-FFF2-40B4-BE49-F238E27FC236}">
+                <a16:creationId xmlns:a16="http://schemas.microsoft.com/office/drawing/2014/main" id="{E765806B-4BE0-6B7B-FE18-DF2D75670717}"/>
+              </a:ext>
+            </a:extLst>
+          </p:cNvPr>
+          <p:cNvSpPr>
+            <a:spLocks noGrp="1"/>
+          </p:cNvSpPr>
+          <p:nvPr>
+            <p:ph sz="half" idx="15"/>
+          </p:nvPr>
+        </p:nvSpPr>
+        <p:spPr/>
+        <p:txBody>
+          <a:bodyPr/>
+          <a:lstStyle/>
+          <a:p>
+            <a:r>
+              <a:rPr lang="en-US" dirty="0"/>
+              <a:t>Key Takeaways:</a:t>
+            </a:r>
+            <a:br>
+              <a:rPr lang="en-US" dirty="0"/>
+            </a:br>
+            <a:endParaRPr lang="en-US" dirty="0"/>
+          </a:p>
+          <a:p>
+            <a:pPr marL="285750" indent="-285750">
+              <a:buFont typeface="Arial" panose="020B0604020202020204" pitchFamily="34" charset="0"/>
+              <a:buChar char="•"/>
+            </a:pPr>
+            <a:r>
+              <a:rPr lang="en-US" dirty="0"/>
+              <a:t> Basics of GUI development with </a:t>
+            </a:r>
+            <a:r>
+              <a:rPr lang="en-US" dirty="0" err="1"/>
+              <a:t>Tkinter</a:t>
+            </a:r>
+            <a:endParaRPr lang="en-US" dirty="0"/>
+          </a:p>
+          <a:p>
+            <a:pPr marL="285750" indent="-285750">
+              <a:buFont typeface="Arial" panose="020B0604020202020204" pitchFamily="34" charset="0"/>
+              <a:buChar char="•"/>
+            </a:pPr>
+            <a:r>
+              <a:rPr lang="en-US" dirty="0"/>
+              <a:t>How to bind buttons to functions</a:t>
+            </a:r>
+          </a:p>
+          <a:p>
+            <a:pPr marL="285750" indent="-285750">
+              <a:buFont typeface="Arial" panose="020B0604020202020204" pitchFamily="34" charset="0"/>
+              <a:buChar char="•"/>
+            </a:pPr>
+            <a:r>
+              <a:rPr lang="en-US" dirty="0"/>
+              <a:t>Practical debugging</a:t>
+            </a:r>
+          </a:p>
+          <a:p>
+            <a:pPr marL="285750" indent="-285750">
+              <a:buFont typeface="Arial" panose="020B0604020202020204" pitchFamily="34" charset="0"/>
+              <a:buChar char="•"/>
+            </a:pPr>
+            <a:r>
+              <a:rPr lang="en-US" dirty="0"/>
+              <a:t>Styling with </a:t>
+            </a:r>
+            <a:r>
+              <a:rPr lang="en-US" dirty="0" err="1"/>
+              <a:t>Tkinter</a:t>
             </a:r>
             <a:endParaRPr lang="en-US" dirty="0"/>
           </a:p>
@@ -9601,7 +9166,7 @@
     </p:spTree>
     <p:extLst>
       <p:ext uri="{BB962C8B-B14F-4D97-AF65-F5344CB8AC3E}">
-        <p14:creationId xmlns:p14="http://schemas.microsoft.com/office/powerpoint/2010/main" val="1315345950"/>
+        <p14:creationId xmlns:p14="http://schemas.microsoft.com/office/powerpoint/2010/main" val="1147369639"/>
       </p:ext>
     </p:extLst>
   </p:cSld>
@@ -10403,6 +9968,35 @@
 </file>
 
 <file path=customXml/item1.xml><?xml version="1.0" encoding="utf-8"?>
+<?mso-contentType ?>
+<FormTemplates xmlns="http://schemas.microsoft.com/sharepoint/v3/contenttype/forms">
+  <Display>DocumentLibraryForm</Display>
+  <Edit>DocumentLibraryForm</Edit>
+  <New>DocumentLibraryForm</New>
+</FormTemplates>
+</file>
+
+<file path=customXml/item2.xml><?xml version="1.0" encoding="utf-8"?>
+<p:properties xmlns:p="http://schemas.microsoft.com/office/2006/metadata/properties" xmlns:xsi="http://www.w3.org/2001/XMLSchema-instance" xmlns:pc="http://schemas.microsoft.com/office/infopath/2007/PartnerControls">
+  <documentManagement>
+    <_ip_UnifiedCompliancePolicyUIAction xmlns="http://schemas.microsoft.com/sharepoint/v3" xsi:nil="true"/>
+    <Image xmlns="71af3243-3dd4-4a8d-8c0d-dd76da1f02a5">
+      <Url xsi:nil="true"/>
+      <Description xsi:nil="true"/>
+    </Image>
+    <Status xmlns="71af3243-3dd4-4a8d-8c0d-dd76da1f02a5">Not started</Status>
+    <Background xmlns="71af3243-3dd4-4a8d-8c0d-dd76da1f02a5">false</Background>
+    <_ip_UnifiedCompliancePolicyProperties xmlns="http://schemas.microsoft.com/sharepoint/v3" xsi:nil="true"/>
+    <ImageTagsTaxHTField xmlns="71af3243-3dd4-4a8d-8c0d-dd76da1f02a5">
+      <Terms xmlns="http://schemas.microsoft.com/office/infopath/2007/PartnerControls"/>
+    </ImageTagsTaxHTField>
+    <TaxCatchAll xmlns="230e9df3-be65-4c73-a93b-d1236ebd677e" xsi:nil="true"/>
+    <MediaServiceKeyPoints xmlns="71af3243-3dd4-4a8d-8c0d-dd76da1f02a5" xsi:nil="true"/>
+  </documentManagement>
+</p:properties>
+</file>
+
+<file path=customXml/item3.xml><?xml version="1.0" encoding="utf-8"?>
 <ct:contentTypeSchema xmlns:ct="http://schemas.microsoft.com/office/2006/metadata/contentType" xmlns:ma="http://schemas.microsoft.com/office/2006/metadata/properties/metaAttributes" ct:_="" ma:_="" ma:contentTypeName="Document" ma:contentTypeID="0x01010079F111ED35F8CC479449609E8A0923A6" ma:contentTypeVersion="28" ma:contentTypeDescription="Create a new document." ma:contentTypeScope="" ma:versionID="60f5a4f2d2b0abadcf532d48ebf9cb71">
   <xsd:schema xmlns:xsd="http://www.w3.org/2001/XMLSchema" xmlns:xs="http://www.w3.org/2001/XMLSchema" xmlns:p="http://schemas.microsoft.com/office/2006/metadata/properties" xmlns:ns1="http://schemas.microsoft.com/sharepoint/v3" xmlns:ns2="71af3243-3dd4-4a8d-8c0d-dd76da1f02a5" xmlns:ns3="16c05727-aa75-4e4a-9b5f-8a80a1165891" xmlns:ns4="230e9df3-be65-4c73-a93b-d1236ebd677e" targetNamespace="http://schemas.microsoft.com/office/2006/metadata/properties" ma:root="true" ma:fieldsID="7dd78129e6a1811f84807ad11c651531" ns1:_="" ns2:_="" ns3:_="" ns4:_="">
     <xsd:import namespace="http://schemas.microsoft.com/sharepoint/v3"/>
@@ -10714,36 +10308,27 @@
 </ct:contentTypeSchema>
 </file>
 
-<file path=customXml/item2.xml><?xml version="1.0" encoding="utf-8"?>
-<p:properties xmlns:p="http://schemas.microsoft.com/office/2006/metadata/properties" xmlns:xsi="http://www.w3.org/2001/XMLSchema-instance" xmlns:pc="http://schemas.microsoft.com/office/infopath/2007/PartnerControls">
-  <documentManagement>
-    <_ip_UnifiedCompliancePolicyUIAction xmlns="http://schemas.microsoft.com/sharepoint/v3" xsi:nil="true"/>
-    <Image xmlns="71af3243-3dd4-4a8d-8c0d-dd76da1f02a5">
-      <Url xsi:nil="true"/>
-      <Description xsi:nil="true"/>
-    </Image>
-    <Status xmlns="71af3243-3dd4-4a8d-8c0d-dd76da1f02a5">Not started</Status>
-    <Background xmlns="71af3243-3dd4-4a8d-8c0d-dd76da1f02a5">false</Background>
-    <_ip_UnifiedCompliancePolicyProperties xmlns="http://schemas.microsoft.com/sharepoint/v3" xsi:nil="true"/>
-    <ImageTagsTaxHTField xmlns="71af3243-3dd4-4a8d-8c0d-dd76da1f02a5">
-      <Terms xmlns="http://schemas.microsoft.com/office/infopath/2007/PartnerControls"/>
-    </ImageTagsTaxHTField>
-    <TaxCatchAll xmlns="230e9df3-be65-4c73-a93b-d1236ebd677e" xsi:nil="true"/>
-    <MediaServiceKeyPoints xmlns="71af3243-3dd4-4a8d-8c0d-dd76da1f02a5" xsi:nil="true"/>
-  </documentManagement>
-</p:properties>
+<file path=customXml/itemProps1.xml><?xml version="1.0" encoding="utf-8"?>
+<ds:datastoreItem xmlns:ds="http://schemas.openxmlformats.org/officeDocument/2006/customXml" ds:itemID="{5B665E41-66EB-401D-940D-8E7024721BE5}">
+  <ds:schemaRefs>
+    <ds:schemaRef ds:uri="http://schemas.microsoft.com/sharepoint/v3/contenttype/forms"/>
+  </ds:schemaRefs>
+</ds:datastoreItem>
 </file>
 
-<file path=customXml/item3.xml><?xml version="1.0" encoding="utf-8"?>
-<?mso-contentType ?>
-<FormTemplates xmlns="http://schemas.microsoft.com/sharepoint/v3/contenttype/forms">
-  <Display>DocumentLibraryForm</Display>
-  <Edit>DocumentLibraryForm</Edit>
-  <New>DocumentLibraryForm</New>
-</FormTemplates>
+<file path=customXml/itemProps2.xml><?xml version="1.0" encoding="utf-8"?>
+<ds:datastoreItem xmlns:ds="http://schemas.openxmlformats.org/officeDocument/2006/customXml" ds:itemID="{E3B37DAF-AFAF-4561-A80B-C76198EBD319}">
+  <ds:schemaRefs>
+    <ds:schemaRef ds:uri="http://schemas.microsoft.com/office/2006/metadata/properties"/>
+    <ds:schemaRef ds:uri="http://schemas.microsoft.com/office/infopath/2007/PartnerControls"/>
+    <ds:schemaRef ds:uri="http://schemas.microsoft.com/sharepoint/v3"/>
+    <ds:schemaRef ds:uri="71af3243-3dd4-4a8d-8c0d-dd76da1f02a5"/>
+    <ds:schemaRef ds:uri="230e9df3-be65-4c73-a93b-d1236ebd677e"/>
+  </ds:schemaRefs>
+</ds:datastoreItem>
 </file>
 
-<file path=customXml/itemProps1.xml><?xml version="1.0" encoding="utf-8"?>
+<file path=customXml/itemProps3.xml><?xml version="1.0" encoding="utf-8"?>
 <ds:datastoreItem xmlns:ds="http://schemas.openxmlformats.org/officeDocument/2006/customXml" ds:itemID="{A29436BC-77AE-4AEE-A282-4E162A1CAA7D}">
   <ds:schemaRefs>
     <ds:schemaRef ds:uri="http://schemas.microsoft.com/office/2006/metadata/contentType"/>
@@ -10764,26 +10349,6 @@
 </ds:datastoreItem>
 </file>
 
-<file path=customXml/itemProps2.xml><?xml version="1.0" encoding="utf-8"?>
-<ds:datastoreItem xmlns:ds="http://schemas.openxmlformats.org/officeDocument/2006/customXml" ds:itemID="{E3B37DAF-AFAF-4561-A80B-C76198EBD319}">
-  <ds:schemaRefs>
-    <ds:schemaRef ds:uri="http://schemas.microsoft.com/office/2006/metadata/properties"/>
-    <ds:schemaRef ds:uri="http://schemas.microsoft.com/office/infopath/2007/PartnerControls"/>
-    <ds:schemaRef ds:uri="http://schemas.microsoft.com/sharepoint/v3"/>
-    <ds:schemaRef ds:uri="71af3243-3dd4-4a8d-8c0d-dd76da1f02a5"/>
-    <ds:schemaRef ds:uri="230e9df3-be65-4c73-a93b-d1236ebd677e"/>
-  </ds:schemaRefs>
-</ds:datastoreItem>
-</file>
-
-<file path=customXml/itemProps3.xml><?xml version="1.0" encoding="utf-8"?>
-<ds:datastoreItem xmlns:ds="http://schemas.openxmlformats.org/officeDocument/2006/customXml" ds:itemID="{5B665E41-66EB-401D-940D-8E7024721BE5}">
-  <ds:schemaRefs>
-    <ds:schemaRef ds:uri="http://schemas.microsoft.com/sharepoint/v3/contenttype/forms"/>
-  </ds:schemaRefs>
-</ds:datastoreItem>
-</file>
-
 <file path=docMetadata/LabelInfo.xml><?xml version="1.0" encoding="utf-8"?>
 <clbl:labelList xmlns:clbl="http://schemas.microsoft.com/office/2020/mipLabelMetadata"/>
 </file>